--- a/docs/chap7_slide.pptx
+++ b/docs/chap7_slide.pptx
@@ -41,6 +41,7 @@
     <p:sldId id="289" r:id="rId35"/>
     <p:sldId id="290" r:id="rId36"/>
     <p:sldId id="291" r:id="rId37"/>
+    <p:sldId id="292" r:id="rId38"/>
   </p:sldIdLst>
   <p:sldSz cx="9144000" cy="5143500" type="screen16x9"/>
   <p:notesSz cx="6858000" cy="9144000"/>
@@ -3229,6 +3230,83 @@
             </a:pPr>
             <a:r>
               <a:rPr/>
+              <a:t>7.2 均匀分布的概率密度函数</a:t>
+            </a:r>
+          </a:p>
+        </p:txBody>
+      </p:sp>
+      <p:pic>
+        <p:nvPicPr>
+          <p:cNvPr descr="img/eq7.8.png" id="0" name="Picture 1"/>
+          <p:cNvPicPr>
+            <a:picLocks noGrp="1" noChangeAspect="1"/>
+          </p:cNvPicPr>
+          <p:nvPr/>
+        </p:nvPicPr>
+        <p:blipFill>
+          <a:blip r:embed="rId2"/>
+          <a:stretch>
+            <a:fillRect/>
+          </a:stretch>
+        </p:blipFill>
+        <p:spPr bwMode="auto">
+          <a:xfrm>
+            <a:off x="457200" y="2057400"/>
+            <a:ext cx="8229600" cy="1651000"/>
+          </a:xfrm>
+          <a:prstGeom prst="rect">
+            <a:avLst/>
+          </a:prstGeom>
+          <a:noFill/>
+          <a:ln w="9525">
+            <a:noFill/>
+            <a:headEnd/>
+            <a:tailEnd/>
+          </a:ln>
+        </p:spPr>
+      </p:pic>
+    </p:spTree>
+  </p:cSld>
+</p:sld>
+</file>
+
+<file path=ppt/slides/slide11.xml><?xml version="1.0" encoding="utf-8"?>
+<p:sld xmlns:a="http://schemas.openxmlformats.org/drawingml/2006/main" xmlns:r="http://schemas.openxmlformats.org/officeDocument/2006/relationships" xmlns:p="http://schemas.openxmlformats.org/presentationml/2006/main">
+  <p:cSld>
+    <p:spTree>
+      <p:nvGrpSpPr>
+        <p:cNvPr id="1" name=""/>
+        <p:cNvGrpSpPr/>
+        <p:nvPr/>
+      </p:nvGrpSpPr>
+      <p:grpSpPr>
+        <a:xfrm>
+          <a:off x="0" y="0"/>
+          <a:ext cx="0" cy="0"/>
+          <a:chOff x="0" y="0"/>
+          <a:chExt cx="0" cy="0"/>
+        </a:xfrm>
+      </p:grpSpPr>
+      <p:sp>
+        <p:nvSpPr>
+          <p:cNvPr id="2" name="Title 1"/>
+          <p:cNvSpPr>
+            <a:spLocks noGrp="1"/>
+          </p:cNvSpPr>
+          <p:nvPr>
+            <p:ph type="title"/>
+          </p:nvPr>
+        </p:nvSpPr>
+        <p:spPr/>
+        <p:txBody>
+          <a:bodyPr/>
+          <a:lstStyle/>
+          <a:p>
+            <a:pPr lvl="0" indent="0" marL="0">
+              <a:buNone/>
+            </a:pPr>
+            <a:r>
+              <a:rPr/>
               <a:t>7.2 均匀分布的累积分布函数</a:t>
             </a:r>
           </a:p>
@@ -3269,7 +3347,7 @@
 </p:sld>
 </file>
 
-<file path=ppt/slides/slide11.xml><?xml version="1.0" encoding="utf-8"?>
+<file path=ppt/slides/slide12.xml><?xml version="1.0" encoding="utf-8"?>
 <p:sld xmlns:a="http://schemas.openxmlformats.org/drawingml/2006/main" xmlns:r="http://schemas.openxmlformats.org/officeDocument/2006/relationships" xmlns:p="http://schemas.openxmlformats.org/presentationml/2006/main">
   <p:cSld>
     <p:spTree>
@@ -3346,7 +3424,7 @@
 </p:sld>
 </file>
 
-<file path=ppt/slides/slide12.xml><?xml version="1.0" encoding="utf-8"?>
+<file path=ppt/slides/slide13.xml><?xml version="1.0" encoding="utf-8"?>
 <p:sld xmlns:a="http://schemas.openxmlformats.org/drawingml/2006/main" xmlns:r="http://schemas.openxmlformats.org/officeDocument/2006/relationships" xmlns:p="http://schemas.openxmlformats.org/presentationml/2006/main">
   <p:cSld>
     <p:spTree>
@@ -3418,7 +3496,7 @@
 </p:sld>
 </file>
 
-<file path=ppt/slides/slide13.xml><?xml version="1.0" encoding="utf-8"?>
+<file path=ppt/slides/slide14.xml><?xml version="1.0" encoding="utf-8"?>
 <p:sld xmlns:a="http://schemas.openxmlformats.org/drawingml/2006/main" xmlns:r="http://schemas.openxmlformats.org/officeDocument/2006/relationships" xmlns:p="http://schemas.openxmlformats.org/presentationml/2006/main">
   <p:cSld>
     <p:spTree>
@@ -3682,7 +3760,7 @@
 </p:sld>
 </file>
 
-<file path=ppt/slides/slide14.xml><?xml version="1.0" encoding="utf-8"?>
+<file path=ppt/slides/slide15.xml><?xml version="1.0" encoding="utf-8"?>
 <p:sld xmlns:a="http://schemas.openxmlformats.org/drawingml/2006/main" xmlns:r="http://schemas.openxmlformats.org/officeDocument/2006/relationships" xmlns:p="http://schemas.openxmlformats.org/presentationml/2006/main">
   <p:cSld>
     <p:spTree>
@@ -3789,7 +3867,7 @@
 </p:sld>
 </file>
 
-<file path=ppt/slides/slide15.xml><?xml version="1.0" encoding="utf-8"?>
+<file path=ppt/slides/slide16.xml><?xml version="1.0" encoding="utf-8"?>
 <p:sld xmlns:a="http://schemas.openxmlformats.org/drawingml/2006/main" xmlns:r="http://schemas.openxmlformats.org/officeDocument/2006/relationships" xmlns:p="http://schemas.openxmlformats.org/presentationml/2006/main">
   <p:cSld>
     <p:spTree>
@@ -3808,6 +3886,31 @@
       </p:grpSpPr>
       <p:sp>
         <p:nvSpPr>
+          <p:cNvPr id="2" name="Title 1"/>
+          <p:cNvSpPr>
+            <a:spLocks noGrp="1"/>
+          </p:cNvSpPr>
+          <p:nvPr>
+            <p:ph type="title"/>
+          </p:nvPr>
+        </p:nvSpPr>
+        <p:spPr/>
+        <p:txBody>
+          <a:bodyPr/>
+          <a:lstStyle/>
+          <a:p>
+            <a:pPr lvl="0" indent="0" marL="0">
+              <a:buNone/>
+            </a:pPr>
+            <a:r>
+              <a:rPr/>
+              <a:t>7.3.1 Excel实操技巧</a:t>
+            </a:r>
+          </a:p>
+        </p:txBody>
+      </p:sp>
+      <p:sp>
+        <p:nvSpPr>
           <p:cNvPr id="3" name="Content Placeholder 2"/>
           <p:cNvSpPr>
             <a:spLocks noGrp="1"/>
@@ -3820,15 +3923,6 @@
         <p:txBody>
           <a:bodyPr/>
           <a:lstStyle/>
-          <a:p>
-            <a:pPr lvl="0" indent="0" marL="0">
-              <a:buNone/>
-            </a:pPr>
-            <a:r>
-              <a:rPr/>
-              <a:t> ## 7.3.1 Excel实操技巧</a:t>
-            </a:r>
-          </a:p>
           <a:p>
             <a:pPr lvl="0"/>
             <a:r>
@@ -3850,7 +3944,7 @@
 </p:sld>
 </file>
 
-<file path=ppt/slides/slide16.xml><?xml version="1.0" encoding="utf-8"?>
+<file path=ppt/slides/slide17.xml><?xml version="1.0" encoding="utf-8"?>
 <p:sld xmlns:a="http://schemas.openxmlformats.org/drawingml/2006/main" xmlns:r="http://schemas.openxmlformats.org/officeDocument/2006/relationships" xmlns:p="http://schemas.openxmlformats.org/presentationml/2006/main">
   <p:cSld>
     <p:spTree>
@@ -3957,81 +4051,6 @@
 </p:sld>
 </file>
 
-<file path=ppt/slides/slide17.xml><?xml version="1.0" encoding="utf-8"?>
-<p:sld xmlns:a="http://schemas.openxmlformats.org/drawingml/2006/main" xmlns:r="http://schemas.openxmlformats.org/officeDocument/2006/relationships" xmlns:p="http://schemas.openxmlformats.org/presentationml/2006/main">
-  <p:cSld>
-    <p:spTree>
-      <p:nvGrpSpPr>
-        <p:cNvPr id="1" name=""/>
-        <p:cNvGrpSpPr/>
-        <p:nvPr/>
-      </p:nvGrpSpPr>
-      <p:grpSpPr>
-        <a:xfrm>
-          <a:off x="0" y="0"/>
-          <a:ext cx="0" cy="0"/>
-          <a:chOff x="0" y="0"/>
-          <a:chExt cx="0" cy="0"/>
-        </a:xfrm>
-      </p:grpSpPr>
-      <p:sp>
-        <p:nvSpPr>
-          <p:cNvPr id="3" name="Content Placeholder 2"/>
-          <p:cNvSpPr>
-            <a:spLocks noGrp="1"/>
-          </p:cNvSpPr>
-          <p:nvPr>
-            <p:ph idx="1"/>
-          </p:nvPr>
-        </p:nvSpPr>
-        <p:spPr/>
-        <p:txBody>
-          <a:bodyPr/>
-          <a:lstStyle/>
-          <a:p>
-            <a:pPr lvl="0" indent="0" marL="0">
-              <a:buNone/>
-            </a:pPr>
-            <a:r>
-              <a:rPr/>
-              <a:t> ## 7.3.3 正态分布的应用</a:t>
-            </a:r>
-          </a:p>
-          <a:p>
-            <a:pPr lvl="0"/>
-            <a:r>
-              <a:rPr/>
-              <a:t>诊断数据中是否存在异常值</a:t>
-            </a:r>
-          </a:p>
-          <a:p>
-            <a:pPr lvl="0"/>
-            <a:r>
-              <a:rPr/>
-              <a:t>计算服从正态分布的随机变量落在特定区间的概率</a:t>
-            </a:r>
-          </a:p>
-          <a:p>
-            <a:pPr lvl="0"/>
-            <a:r>
-              <a:rPr/>
-              <a:t>给定服从正态分布的随机变量落在某个区间的概率，求该区间。</a:t>
-            </a:r>
-          </a:p>
-          <a:p>
-            <a:pPr lvl="0"/>
-            <a:r>
-              <a:rPr/>
-              <a:t>诊断数据是否服从正态分布</a:t>
-            </a:r>
-          </a:p>
-        </p:txBody>
-      </p:sp>
-    </p:spTree>
-  </p:cSld>
-</p:sld>
-</file>
-
 <file path=ppt/slides/slide18.xml><?xml version="1.0" encoding="utf-8"?>
 <p:sld xmlns:a="http://schemas.openxmlformats.org/drawingml/2006/main" xmlns:r="http://schemas.openxmlformats.org/officeDocument/2006/relationships" xmlns:p="http://schemas.openxmlformats.org/presentationml/2006/main">
   <p:cSld>
@@ -4069,7 +4088,7 @@
             </a:pPr>
             <a:r>
               <a:rPr/>
-              <a:t>正态分布Excel实操技巧</a:t>
+              <a:t>7.3.3 正态分布的应用</a:t>
             </a:r>
           </a:p>
         </p:txBody>
@@ -4092,14 +4111,28 @@
             <a:pPr lvl="0"/>
             <a:r>
               <a:rPr/>
-              <a:t>NORM.INV函数适用于普通的正态分布，有三项参数，依次是左尾概率1-α、均值μ和标准差σ，可以求出正态分布N(μ,σ^2 )的上α分位点。</a:t>
+              <a:t>诊断数据中是否存在异常值</a:t>
             </a:r>
           </a:p>
           <a:p>
             <a:pPr lvl="0"/>
             <a:r>
               <a:rPr/>
-              <a:t>NORM.S.INV函数只适用于标准正态分布，给定左尾概率1-α，可以求出标准正态分布的上α分位点。</a:t>
+              <a:t>计算服从正态分布的随机变量落在特定区间的概率</a:t>
+            </a:r>
+          </a:p>
+          <a:p>
+            <a:pPr lvl="0"/>
+            <a:r>
+              <a:rPr/>
+              <a:t>给定服从正态分布的随机变量落在某个区间的概率，求该区间。</a:t>
+            </a:r>
+          </a:p>
+          <a:p>
+            <a:pPr lvl="0"/>
+            <a:r>
+              <a:rPr/>
+              <a:t>诊断数据是否服从正态分布</a:t>
             </a:r>
           </a:p>
         </p:txBody>
@@ -4146,7 +4179,7 @@
             </a:pPr>
             <a:r>
               <a:rPr/>
-              <a:t>7.4 卡方分布</a:t>
+              <a:t>正态分布Excel实操技巧</a:t>
             </a:r>
           </a:p>
         </p:txBody>
@@ -4169,207 +4202,20 @@
             <a:pPr lvl="0"/>
             <a:r>
               <a:rPr/>
-              <a:t>7.4.1 卡方分布的性质</a:t>
+              <a:t>NORM.INV函数适用于普通的正态分布，有三项参数，依次是左尾概率1-α、均值μ和标准差σ，可以求出正态分布N(μ,σ^2 )的上α分位点。</a:t>
             </a:r>
           </a:p>
           <a:p>
             <a:pPr lvl="0"/>
             <a:r>
               <a:rPr/>
-              <a:t>7.4.2 EXCEL绘制卡方分布的PDF和CDF</a:t>
-            </a:r>
-          </a:p>
-          <a:p>
-            <a:pPr lvl="0"/>
-            <a:r>
-              <a:rPr/>
-              <a:t>7.4.3 卡方分布的应用</a:t>
+              <a:t>NORM.S.INV函数只适用于标准正态分布，给定左尾概率1-α，可以求出标准正态分布的上α分位点。</a:t>
             </a:r>
           </a:p>
         </p:txBody>
       </p:sp>
     </p:spTree>
   </p:cSld>
-  <p:timing>
-    <p:tnLst>
-      <p:par>
-        <p:cTn id="1" dur="indefinite" restart="never" nodeType="tmRoot">
-          <p:childTnLst>
-            <p:seq concurrent="1" nextAc="seek">
-              <p:cTn id="2" dur="indefinite" nodeType="mainSeq">
-                <p:childTnLst>
-                  <p:par>
-                    <p:cTn id="3" fill="hold">
-                      <p:stCondLst>
-                        <p:cond delay="indefinite"/>
-                      </p:stCondLst>
-                      <p:childTnLst>
-                        <p:par>
-                          <p:cTn id="4" fill="hold">
-                            <p:stCondLst>
-                              <p:cond delay="0"/>
-                            </p:stCondLst>
-                            <p:childTnLst>
-                              <p:par>
-                                <p:cTn id="5" presetID="1" presetClass="entr" presetSubtype="0" fill="hold" grpId="0" nodeType="clickEffect">
-                                  <p:stCondLst>
-                                    <p:cond delay="0"/>
-                                  </p:stCondLst>
-                                  <p:childTnLst>
-                                    <p:set>
-                                      <p:cBhvr>
-                                        <p:cTn id="6" dur="1" fill="hold">
-                                          <p:stCondLst>
-                                            <p:cond delay="0"/>
-                                          </p:stCondLst>
-                                        </p:cTn>
-                                        <p:tgtEl>
-                                          <p:spTgt spid="3">
-                                            <p:txEl>
-                                              <p:pRg st="0" end="0"/>
-                                            </p:txEl>
-                                          </p:spTgt>
-                                        </p:tgtEl>
-                                        <p:attrNameLst>
-                                          <p:attrName>style.visibility</p:attrName>
-                                        </p:attrNameLst>
-                                      </p:cBhvr>
-                                      <p:to>
-                                        <p:strVal val="visible"/>
-                                      </p:to>
-                                    </p:set>
-                                  </p:childTnLst>
-                                </p:cTn>
-                              </p:par>
-                            </p:childTnLst>
-                          </p:cTn>
-                        </p:par>
-                      </p:childTnLst>
-                    </p:cTn>
-                  </p:par>
-                  <p:par>
-                    <p:cTn id="7" fill="hold">
-                      <p:stCondLst>
-                        <p:cond delay="indefinite"/>
-                      </p:stCondLst>
-                      <p:childTnLst>
-                        <p:par>
-                          <p:cTn id="8" fill="hold">
-                            <p:stCondLst>
-                              <p:cond delay="0"/>
-                            </p:stCondLst>
-                            <p:childTnLst>
-                              <p:par>
-                                <p:cTn id="9" presetID="1" presetClass="entr" presetSubtype="0" fill="hold" grpId="0" nodeType="clickEffect">
-                                  <p:stCondLst>
-                                    <p:cond delay="0"/>
-                                  </p:stCondLst>
-                                  <p:childTnLst>
-                                    <p:set>
-                                      <p:cBhvr>
-                                        <p:cTn id="10" dur="1" fill="hold">
-                                          <p:stCondLst>
-                                            <p:cond delay="0"/>
-                                          </p:stCondLst>
-                                        </p:cTn>
-                                        <p:tgtEl>
-                                          <p:spTgt spid="3">
-                                            <p:txEl>
-                                              <p:pRg st="1" end="1"/>
-                                            </p:txEl>
-                                          </p:spTgt>
-                                        </p:tgtEl>
-                                        <p:attrNameLst>
-                                          <p:attrName>style.visibility</p:attrName>
-                                        </p:attrNameLst>
-                                      </p:cBhvr>
-                                      <p:to>
-                                        <p:strVal val="visible"/>
-                                      </p:to>
-                                    </p:set>
-                                  </p:childTnLst>
-                                </p:cTn>
-                              </p:par>
-                            </p:childTnLst>
-                          </p:cTn>
-                        </p:par>
-                      </p:childTnLst>
-                    </p:cTn>
-                  </p:par>
-                  <p:par>
-                    <p:cTn id="11" fill="hold">
-                      <p:stCondLst>
-                        <p:cond delay="indefinite"/>
-                      </p:stCondLst>
-                      <p:childTnLst>
-                        <p:par>
-                          <p:cTn id="12" fill="hold">
-                            <p:stCondLst>
-                              <p:cond delay="0"/>
-                            </p:stCondLst>
-                            <p:childTnLst>
-                              <p:par>
-                                <p:cTn id="13" presetID="1" presetClass="entr" presetSubtype="0" fill="hold" grpId="0" nodeType="clickEffect">
-                                  <p:stCondLst>
-                                    <p:cond delay="0"/>
-                                  </p:stCondLst>
-                                  <p:childTnLst>
-                                    <p:set>
-                                      <p:cBhvr>
-                                        <p:cTn id="14" dur="1" fill="hold">
-                                          <p:stCondLst>
-                                            <p:cond delay="0"/>
-                                          </p:stCondLst>
-                                        </p:cTn>
-                                        <p:tgtEl>
-                                          <p:spTgt spid="3">
-                                            <p:txEl>
-                                              <p:pRg st="2" end="2"/>
-                                            </p:txEl>
-                                          </p:spTgt>
-                                        </p:tgtEl>
-                                        <p:attrNameLst>
-                                          <p:attrName>style.visibility</p:attrName>
-                                        </p:attrNameLst>
-                                      </p:cBhvr>
-                                      <p:to>
-                                        <p:strVal val="visible"/>
-                                      </p:to>
-                                    </p:set>
-                                  </p:childTnLst>
-                                </p:cTn>
-                              </p:par>
-                            </p:childTnLst>
-                          </p:cTn>
-                        </p:par>
-                      </p:childTnLst>
-                    </p:cTn>
-                  </p:par>
-                </p:childTnLst>
-              </p:cTn>
-              <p:prevCondLst>
-                <p:cond evt="onPrev" delay="0">
-                  <p:tgtEl>
-                    <p:sldTgt/>
-                  </p:tgtEl>
-                </p:cond>
-              </p:prevCondLst>
-              <p:nextCondLst>
-                <p:cond evt="onNext" delay="0">
-                  <p:tgtEl>
-                    <p:sldTgt/>
-                  </p:tgtEl>
-                </p:cond>
-              </p:nextCondLst>
-            </p:seq>
-          </p:childTnLst>
-        </p:cTn>
-      </p:par>
-    </p:tnLst>
-    <p:bldLst>
-      <p:bldP spid="3" grpId="0" uiExpand="1" build="p"/>
-    </p:bldLst>
-  </p:timing>
 </p:sld>
 </file>
 
@@ -4898,359 +4744,44 @@
             </a:pPr>
             <a:r>
               <a:rPr/>
+              <a:t>7.4 卡方分布</a:t>
+            </a:r>
+          </a:p>
+        </p:txBody>
+      </p:sp>
+      <p:sp>
+        <p:nvSpPr>
+          <p:cNvPr id="3" name="Content Placeholder 2"/>
+          <p:cNvSpPr>
+            <a:spLocks noGrp="1"/>
+          </p:cNvSpPr>
+          <p:nvPr>
+            <p:ph idx="1"/>
+          </p:nvPr>
+        </p:nvSpPr>
+        <p:spPr/>
+        <p:txBody>
+          <a:bodyPr/>
+          <a:lstStyle/>
+          <a:p>
+            <a:pPr lvl="0"/>
+            <a:r>
+              <a:rPr/>
               <a:t>7.4.1 卡方分布的性质</a:t>
             </a:r>
           </a:p>
-        </p:txBody>
-      </p:sp>
-      <p:pic>
-        <p:nvPicPr>
-          <p:cNvPr descr="img/eq7.40.png" id="0" name="Picture 1"/>
-          <p:cNvPicPr>
-            <a:picLocks noGrp="1" noChangeAspect="1"/>
-          </p:cNvPicPr>
-          <p:nvPr/>
-        </p:nvPicPr>
-        <p:blipFill>
-          <a:blip r:embed="rId2"/>
-          <a:stretch>
-            <a:fillRect/>
-          </a:stretch>
-        </p:blipFill>
-        <p:spPr bwMode="auto">
-          <a:xfrm>
-            <a:off x="457200" y="1397000"/>
-            <a:ext cx="8229600" cy="2984500"/>
-          </a:xfrm>
-          <a:prstGeom prst="rect">
-            <a:avLst/>
-          </a:prstGeom>
-          <a:noFill/>
-          <a:ln w="9525">
-            <a:noFill/>
-            <a:headEnd/>
-            <a:tailEnd/>
-          </a:ln>
-        </p:spPr>
-      </p:pic>
-    </p:spTree>
-  </p:cSld>
-</p:sld>
-</file>
-
-<file path=ppt/slides/slide21.xml><?xml version="1.0" encoding="utf-8"?>
-<p:sld xmlns:a="http://schemas.openxmlformats.org/drawingml/2006/main" xmlns:r="http://schemas.openxmlformats.org/officeDocument/2006/relationships" xmlns:p="http://schemas.openxmlformats.org/presentationml/2006/main">
-  <p:cSld>
-    <p:spTree>
-      <p:nvGrpSpPr>
-        <p:cNvPr id="1" name=""/>
-        <p:cNvGrpSpPr/>
-        <p:nvPr/>
-      </p:nvGrpSpPr>
-      <p:grpSpPr>
-        <a:xfrm>
-          <a:off x="0" y="0"/>
-          <a:ext cx="0" cy="0"/>
-          <a:chOff x="0" y="0"/>
-          <a:chExt cx="0" cy="0"/>
-        </a:xfrm>
-      </p:grpSpPr>
-      <p:sp>
-        <p:nvSpPr>
-          <p:cNvPr id="2" name="Title 1"/>
-          <p:cNvSpPr>
-            <a:spLocks noGrp="1"/>
-          </p:cNvSpPr>
-          <p:nvPr>
-            <p:ph type="title"/>
-          </p:nvPr>
-        </p:nvSpPr>
-        <p:spPr/>
-        <p:txBody>
-          <a:bodyPr/>
-          <a:lstStyle/>
-          <a:p>
-            <a:pPr lvl="0" indent="0" marL="0">
-              <a:buNone/>
-            </a:pPr>
-            <a:r>
-              <a:rPr/>
-              <a:t>7.4.1 卡方分布的性质</a:t>
-            </a:r>
-          </a:p>
-        </p:txBody>
-      </p:sp>
-      <p:pic>
-        <p:nvPicPr>
-          <p:cNvPr descr="img/pic7.17.png" id="0" name="Picture 1"/>
-          <p:cNvPicPr>
-            <a:picLocks noGrp="1" noChangeAspect="1"/>
-          </p:cNvPicPr>
-          <p:nvPr/>
-        </p:nvPicPr>
-        <p:blipFill>
-          <a:blip r:embed="rId2"/>
-          <a:stretch>
-            <a:fillRect/>
-          </a:stretch>
-        </p:blipFill>
-        <p:spPr bwMode="auto">
-          <a:xfrm>
-            <a:off x="457200" y="1435100"/>
-            <a:ext cx="8229600" cy="2921000"/>
-          </a:xfrm>
-          <a:prstGeom prst="rect">
-            <a:avLst/>
-          </a:prstGeom>
-          <a:noFill/>
-          <a:ln w="9525">
-            <a:noFill/>
-            <a:headEnd/>
-            <a:tailEnd/>
-          </a:ln>
-        </p:spPr>
-      </p:pic>
-    </p:spTree>
-  </p:cSld>
-</p:sld>
-</file>
-
-<file path=ppt/slides/slide22.xml><?xml version="1.0" encoding="utf-8"?>
-<p:sld xmlns:a="http://schemas.openxmlformats.org/drawingml/2006/main" xmlns:r="http://schemas.openxmlformats.org/officeDocument/2006/relationships" xmlns:p="http://schemas.openxmlformats.org/presentationml/2006/main">
-  <p:cSld>
-    <p:spTree>
-      <p:nvGrpSpPr>
-        <p:cNvPr id="1" name=""/>
-        <p:cNvGrpSpPr/>
-        <p:nvPr/>
-      </p:nvGrpSpPr>
-      <p:grpSpPr>
-        <a:xfrm>
-          <a:off x="0" y="0"/>
-          <a:ext cx="0" cy="0"/>
-          <a:chOff x="0" y="0"/>
-          <a:chExt cx="0" cy="0"/>
-        </a:xfrm>
-      </p:grpSpPr>
-      <p:sp>
-        <p:nvSpPr>
-          <p:cNvPr id="2" name="Title 1"/>
-          <p:cNvSpPr>
-            <a:spLocks noGrp="1"/>
-          </p:cNvSpPr>
-          <p:nvPr>
-            <p:ph type="title"/>
-          </p:nvPr>
-        </p:nvSpPr>
-        <p:spPr/>
-        <p:txBody>
-          <a:bodyPr/>
-          <a:lstStyle/>
-          <a:p>
-            <a:pPr lvl="0" indent="0" marL="0">
-              <a:buNone/>
-            </a:pPr>
+          <a:p>
+            <a:pPr lvl="0"/>
             <a:r>
               <a:rPr/>
               <a:t>7.4.2 EXCEL绘制卡方分布的PDF和CDF</a:t>
             </a:r>
           </a:p>
-        </p:txBody>
-      </p:sp>
-      <p:pic>
-        <p:nvPicPr>
-          <p:cNvPr descr="img/pic7.19.png" id="0" name="Picture 1"/>
-          <p:cNvPicPr>
-            <a:picLocks noGrp="1" noChangeAspect="1"/>
-          </p:cNvPicPr>
-          <p:nvPr/>
-        </p:nvPicPr>
-        <p:blipFill>
-          <a:blip r:embed="rId2"/>
-          <a:stretch>
-            <a:fillRect/>
-          </a:stretch>
-        </p:blipFill>
-        <p:spPr bwMode="auto">
-          <a:xfrm>
-            <a:off x="1219200" y="1193800"/>
-            <a:ext cx="6705600" cy="3390900"/>
-          </a:xfrm>
-          <a:prstGeom prst="rect">
-            <a:avLst/>
-          </a:prstGeom>
-          <a:noFill/>
-          <a:ln w="9525">
-            <a:noFill/>
-            <a:headEnd/>
-            <a:tailEnd/>
-          </a:ln>
-        </p:spPr>
-      </p:pic>
-    </p:spTree>
-  </p:cSld>
-</p:sld>
-</file>
-
-<file path=ppt/slides/slide23.xml><?xml version="1.0" encoding="utf-8"?>
-<p:sld xmlns:a="http://schemas.openxmlformats.org/drawingml/2006/main" xmlns:r="http://schemas.openxmlformats.org/officeDocument/2006/relationships" xmlns:p="http://schemas.openxmlformats.org/presentationml/2006/main">
-  <p:cSld>
-    <p:spTree>
-      <p:nvGrpSpPr>
-        <p:cNvPr id="1" name=""/>
-        <p:cNvGrpSpPr/>
-        <p:nvPr/>
-      </p:nvGrpSpPr>
-      <p:grpSpPr>
-        <a:xfrm>
-          <a:off x="0" y="0"/>
-          <a:ext cx="0" cy="0"/>
-          <a:chOff x="0" y="0"/>
-          <a:chExt cx="0" cy="0"/>
-        </a:xfrm>
-      </p:grpSpPr>
-      <p:sp>
-        <p:nvSpPr>
-          <p:cNvPr id="2" name="Title 1"/>
-          <p:cNvSpPr>
-            <a:spLocks noGrp="1"/>
-          </p:cNvSpPr>
-          <p:nvPr>
-            <p:ph type="title"/>
-          </p:nvPr>
-        </p:nvSpPr>
-        <p:spPr/>
-        <p:txBody>
-          <a:bodyPr/>
-          <a:lstStyle/>
-          <a:p>
-            <a:pPr lvl="0" indent="0" marL="0">
-              <a:buNone/>
-            </a:pPr>
+          <a:p>
+            <a:pPr lvl="0"/>
             <a:r>
               <a:rPr/>
               <a:t>7.4.3 卡方分布的应用</a:t>
-            </a:r>
-          </a:p>
-        </p:txBody>
-      </p:sp>
-      <p:sp>
-        <p:nvSpPr>
-          <p:cNvPr id="3" name="Content Placeholder 2"/>
-          <p:cNvSpPr>
-            <a:spLocks noGrp="1"/>
-          </p:cNvSpPr>
-          <p:nvPr>
-            <p:ph idx="1"/>
-          </p:nvPr>
-        </p:nvSpPr>
-        <p:spPr/>
-        <p:txBody>
-          <a:bodyPr/>
-          <a:lstStyle/>
-          <a:p>
-            <a:pPr lvl="0"/>
-            <a:r>
-              <a:rPr/>
-              <a:t>总体方差的置信区间的构造</a:t>
-            </a:r>
-          </a:p>
-          <a:p>
-            <a:pPr lvl="0"/>
-            <a:r>
-              <a:rPr/>
-              <a:t>总体方差的参数检验</a:t>
-            </a:r>
-          </a:p>
-          <a:p>
-            <a:pPr lvl="0"/>
-            <a:r>
-              <a:rPr/>
-              <a:t>独立性检验</a:t>
-            </a:r>
-          </a:p>
-        </p:txBody>
-      </p:sp>
-    </p:spTree>
-  </p:cSld>
-</p:sld>
-</file>
-
-<file path=ppt/slides/slide24.xml><?xml version="1.0" encoding="utf-8"?>
-<p:sld xmlns:a="http://schemas.openxmlformats.org/drawingml/2006/main" xmlns:r="http://schemas.openxmlformats.org/officeDocument/2006/relationships" xmlns:p="http://schemas.openxmlformats.org/presentationml/2006/main">
-  <p:cSld>
-    <p:spTree>
-      <p:nvGrpSpPr>
-        <p:cNvPr id="1" name=""/>
-        <p:cNvGrpSpPr/>
-        <p:nvPr/>
-      </p:nvGrpSpPr>
-      <p:grpSpPr>
-        <a:xfrm>
-          <a:off x="0" y="0"/>
-          <a:ext cx="0" cy="0"/>
-          <a:chOff x="0" y="0"/>
-          <a:chExt cx="0" cy="0"/>
-        </a:xfrm>
-      </p:grpSpPr>
-      <p:sp>
-        <p:nvSpPr>
-          <p:cNvPr id="2" name="Title 1"/>
-          <p:cNvSpPr>
-            <a:spLocks noGrp="1"/>
-          </p:cNvSpPr>
-          <p:nvPr>
-            <p:ph type="title"/>
-          </p:nvPr>
-        </p:nvSpPr>
-        <p:spPr/>
-        <p:txBody>
-          <a:bodyPr/>
-          <a:lstStyle/>
-          <a:p>
-            <a:pPr lvl="0" indent="0" marL="0">
-              <a:buNone/>
-            </a:pPr>
-            <a:r>
-              <a:rPr/>
-              <a:t>7.5 t分布</a:t>
-            </a:r>
-          </a:p>
-        </p:txBody>
-      </p:sp>
-      <p:sp>
-        <p:nvSpPr>
-          <p:cNvPr id="3" name="Content Placeholder 2"/>
-          <p:cNvSpPr>
-            <a:spLocks noGrp="1"/>
-          </p:cNvSpPr>
-          <p:nvPr>
-            <p:ph idx="1"/>
-          </p:nvPr>
-        </p:nvSpPr>
-        <p:spPr/>
-        <p:txBody>
-          <a:bodyPr/>
-          <a:lstStyle/>
-          <a:p>
-            <a:pPr lvl="0"/>
-            <a:r>
-              <a:rPr/>
-              <a:t>7.5.1 t分布的性质</a:t>
-            </a:r>
-          </a:p>
-          <a:p>
-            <a:pPr lvl="0"/>
-            <a:r>
-              <a:rPr/>
-              <a:t>7.5.2 EXCEL绘制t分布的PDF和CDF</a:t>
-            </a:r>
-          </a:p>
-          <a:p>
-            <a:pPr lvl="0"/>
-            <a:r>
-              <a:rPr/>
-              <a:t>7.5.3 t分布的应用</a:t>
             </a:r>
           </a:p>
         </p:txBody>
@@ -5440,6 +4971,351 @@
 </p:sld>
 </file>
 
+<file path=ppt/slides/slide21.xml><?xml version="1.0" encoding="utf-8"?>
+<p:sld xmlns:a="http://schemas.openxmlformats.org/drawingml/2006/main" xmlns:r="http://schemas.openxmlformats.org/officeDocument/2006/relationships" xmlns:p="http://schemas.openxmlformats.org/presentationml/2006/main">
+  <p:cSld>
+    <p:spTree>
+      <p:nvGrpSpPr>
+        <p:cNvPr id="1" name=""/>
+        <p:cNvGrpSpPr/>
+        <p:nvPr/>
+      </p:nvGrpSpPr>
+      <p:grpSpPr>
+        <a:xfrm>
+          <a:off x="0" y="0"/>
+          <a:ext cx="0" cy="0"/>
+          <a:chOff x="0" y="0"/>
+          <a:chExt cx="0" cy="0"/>
+        </a:xfrm>
+      </p:grpSpPr>
+      <p:sp>
+        <p:nvSpPr>
+          <p:cNvPr id="2" name="Title 1"/>
+          <p:cNvSpPr>
+            <a:spLocks noGrp="1"/>
+          </p:cNvSpPr>
+          <p:nvPr>
+            <p:ph type="title"/>
+          </p:nvPr>
+        </p:nvSpPr>
+        <p:spPr/>
+        <p:txBody>
+          <a:bodyPr/>
+          <a:lstStyle/>
+          <a:p>
+            <a:pPr lvl="0" indent="0" marL="0">
+              <a:buNone/>
+            </a:pPr>
+            <a:r>
+              <a:rPr/>
+              <a:t>7.4.1 卡方分布的性质</a:t>
+            </a:r>
+          </a:p>
+        </p:txBody>
+      </p:sp>
+      <p:pic>
+        <p:nvPicPr>
+          <p:cNvPr descr="img/eq7.40.png" id="0" name="Picture 1"/>
+          <p:cNvPicPr>
+            <a:picLocks noGrp="1" noChangeAspect="1"/>
+          </p:cNvPicPr>
+          <p:nvPr/>
+        </p:nvPicPr>
+        <p:blipFill>
+          <a:blip r:embed="rId2"/>
+          <a:stretch>
+            <a:fillRect/>
+          </a:stretch>
+        </p:blipFill>
+        <p:spPr bwMode="auto">
+          <a:xfrm>
+            <a:off x="457200" y="1397000"/>
+            <a:ext cx="8229600" cy="2984500"/>
+          </a:xfrm>
+          <a:prstGeom prst="rect">
+            <a:avLst/>
+          </a:prstGeom>
+          <a:noFill/>
+          <a:ln w="9525">
+            <a:noFill/>
+            <a:headEnd/>
+            <a:tailEnd/>
+          </a:ln>
+        </p:spPr>
+      </p:pic>
+    </p:spTree>
+  </p:cSld>
+</p:sld>
+</file>
+
+<file path=ppt/slides/slide22.xml><?xml version="1.0" encoding="utf-8"?>
+<p:sld xmlns:a="http://schemas.openxmlformats.org/drawingml/2006/main" xmlns:r="http://schemas.openxmlformats.org/officeDocument/2006/relationships" xmlns:p="http://schemas.openxmlformats.org/presentationml/2006/main">
+  <p:cSld>
+    <p:spTree>
+      <p:nvGrpSpPr>
+        <p:cNvPr id="1" name=""/>
+        <p:cNvGrpSpPr/>
+        <p:nvPr/>
+      </p:nvGrpSpPr>
+      <p:grpSpPr>
+        <a:xfrm>
+          <a:off x="0" y="0"/>
+          <a:ext cx="0" cy="0"/>
+          <a:chOff x="0" y="0"/>
+          <a:chExt cx="0" cy="0"/>
+        </a:xfrm>
+      </p:grpSpPr>
+      <p:sp>
+        <p:nvSpPr>
+          <p:cNvPr id="2" name="Title 1"/>
+          <p:cNvSpPr>
+            <a:spLocks noGrp="1"/>
+          </p:cNvSpPr>
+          <p:nvPr>
+            <p:ph type="title"/>
+          </p:nvPr>
+        </p:nvSpPr>
+        <p:spPr/>
+        <p:txBody>
+          <a:bodyPr/>
+          <a:lstStyle/>
+          <a:p>
+            <a:pPr lvl="0" indent="0" marL="0">
+              <a:buNone/>
+            </a:pPr>
+            <a:r>
+              <a:rPr/>
+              <a:t>7.4.1 卡方分布的性质</a:t>
+            </a:r>
+          </a:p>
+        </p:txBody>
+      </p:sp>
+      <p:pic>
+        <p:nvPicPr>
+          <p:cNvPr descr="img/pic7.17.png" id="0" name="Picture 1"/>
+          <p:cNvPicPr>
+            <a:picLocks noGrp="1" noChangeAspect="1"/>
+          </p:cNvPicPr>
+          <p:nvPr/>
+        </p:nvPicPr>
+        <p:blipFill>
+          <a:blip r:embed="rId2"/>
+          <a:stretch>
+            <a:fillRect/>
+          </a:stretch>
+        </p:blipFill>
+        <p:spPr bwMode="auto">
+          <a:xfrm>
+            <a:off x="457200" y="1435100"/>
+            <a:ext cx="8229600" cy="2921000"/>
+          </a:xfrm>
+          <a:prstGeom prst="rect">
+            <a:avLst/>
+          </a:prstGeom>
+          <a:noFill/>
+          <a:ln w="9525">
+            <a:noFill/>
+            <a:headEnd/>
+            <a:tailEnd/>
+          </a:ln>
+        </p:spPr>
+      </p:pic>
+    </p:spTree>
+  </p:cSld>
+</p:sld>
+</file>
+
+<file path=ppt/slides/slide23.xml><?xml version="1.0" encoding="utf-8"?>
+<p:sld xmlns:a="http://schemas.openxmlformats.org/drawingml/2006/main" xmlns:r="http://schemas.openxmlformats.org/officeDocument/2006/relationships" xmlns:p="http://schemas.openxmlformats.org/presentationml/2006/main">
+  <p:cSld>
+    <p:spTree>
+      <p:nvGrpSpPr>
+        <p:cNvPr id="1" name=""/>
+        <p:cNvGrpSpPr/>
+        <p:nvPr/>
+      </p:nvGrpSpPr>
+      <p:grpSpPr>
+        <a:xfrm>
+          <a:off x="0" y="0"/>
+          <a:ext cx="0" cy="0"/>
+          <a:chOff x="0" y="0"/>
+          <a:chExt cx="0" cy="0"/>
+        </a:xfrm>
+      </p:grpSpPr>
+      <p:sp>
+        <p:nvSpPr>
+          <p:cNvPr id="2" name="Title 1"/>
+          <p:cNvSpPr>
+            <a:spLocks noGrp="1"/>
+          </p:cNvSpPr>
+          <p:nvPr>
+            <p:ph type="title"/>
+          </p:nvPr>
+        </p:nvSpPr>
+        <p:spPr/>
+        <p:txBody>
+          <a:bodyPr/>
+          <a:lstStyle/>
+          <a:p>
+            <a:pPr lvl="0" indent="0" marL="0">
+              <a:buNone/>
+            </a:pPr>
+            <a:r>
+              <a:rPr/>
+              <a:t>7.4.2 EXCEL绘制卡方分布的PDF和CDF</a:t>
+            </a:r>
+          </a:p>
+        </p:txBody>
+      </p:sp>
+      <p:pic>
+        <p:nvPicPr>
+          <p:cNvPr descr="img/pic7.19.png" id="0" name="Picture 1"/>
+          <p:cNvPicPr>
+            <a:picLocks noGrp="1" noChangeAspect="1"/>
+          </p:cNvPicPr>
+          <p:nvPr/>
+        </p:nvPicPr>
+        <p:blipFill>
+          <a:blip r:embed="rId2"/>
+          <a:stretch>
+            <a:fillRect/>
+          </a:stretch>
+        </p:blipFill>
+        <p:spPr bwMode="auto">
+          <a:xfrm>
+            <a:off x="1727200" y="1193800"/>
+            <a:ext cx="5702300" cy="2882900"/>
+          </a:xfrm>
+          <a:prstGeom prst="rect">
+            <a:avLst/>
+          </a:prstGeom>
+          <a:noFill/>
+          <a:ln w="9525">
+            <a:noFill/>
+            <a:headEnd/>
+            <a:tailEnd/>
+          </a:ln>
+        </p:spPr>
+      </p:pic>
+      <p:sp>
+        <p:nvSpPr>
+          <p:cNvPr id="1" name="TextBox 3"/>
+          <p:cNvSpPr txBox="1"/>
+          <p:nvPr/>
+        </p:nvSpPr>
+        <p:spPr>
+          <a:xfrm>
+            <a:off x="457200" y="4076700"/>
+            <a:ext cx="8229600" cy="508000"/>
+          </a:xfrm>
+          <a:prstGeom prst="rect">
+            <a:avLst/>
+          </a:prstGeom>
+          <a:noFill/>
+        </p:spPr>
+        <p:txBody>
+          <a:bodyPr/>
+          <a:lstStyle/>
+          <a:p>
+            <a:pPr lvl="0" indent="0" marL="0" algn="ctr">
+              <a:buNone/>
+            </a:pPr>
+            <a:r>
+              <a:rPr/>
+              <a:t>图7.17 服从χ^2 (20)的500个随机数的直方图</a:t>
+            </a:r>
+          </a:p>
+        </p:txBody>
+      </p:sp>
+    </p:spTree>
+  </p:cSld>
+</p:sld>
+</file>
+
+<file path=ppt/slides/slide24.xml><?xml version="1.0" encoding="utf-8"?>
+<p:sld xmlns:a="http://schemas.openxmlformats.org/drawingml/2006/main" xmlns:r="http://schemas.openxmlformats.org/officeDocument/2006/relationships" xmlns:p="http://schemas.openxmlformats.org/presentationml/2006/main">
+  <p:cSld>
+    <p:spTree>
+      <p:nvGrpSpPr>
+        <p:cNvPr id="1" name=""/>
+        <p:cNvGrpSpPr/>
+        <p:nvPr/>
+      </p:nvGrpSpPr>
+      <p:grpSpPr>
+        <a:xfrm>
+          <a:off x="0" y="0"/>
+          <a:ext cx="0" cy="0"/>
+          <a:chOff x="0" y="0"/>
+          <a:chExt cx="0" cy="0"/>
+        </a:xfrm>
+      </p:grpSpPr>
+      <p:sp>
+        <p:nvSpPr>
+          <p:cNvPr id="2" name="Title 1"/>
+          <p:cNvSpPr>
+            <a:spLocks noGrp="1"/>
+          </p:cNvSpPr>
+          <p:nvPr>
+            <p:ph type="title"/>
+          </p:nvPr>
+        </p:nvSpPr>
+        <p:spPr/>
+        <p:txBody>
+          <a:bodyPr/>
+          <a:lstStyle/>
+          <a:p>
+            <a:pPr lvl="0" indent="0" marL="0">
+              <a:buNone/>
+            </a:pPr>
+            <a:r>
+              <a:rPr/>
+              <a:t>7.4.3 卡方分布的应用</a:t>
+            </a:r>
+          </a:p>
+        </p:txBody>
+      </p:sp>
+      <p:sp>
+        <p:nvSpPr>
+          <p:cNvPr id="3" name="Content Placeholder 2"/>
+          <p:cNvSpPr>
+            <a:spLocks noGrp="1"/>
+          </p:cNvSpPr>
+          <p:nvPr>
+            <p:ph idx="1"/>
+          </p:nvPr>
+        </p:nvSpPr>
+        <p:spPr/>
+        <p:txBody>
+          <a:bodyPr/>
+          <a:lstStyle/>
+          <a:p>
+            <a:pPr lvl="0"/>
+            <a:r>
+              <a:rPr/>
+              <a:t>总体方差的置信区间的构造</a:t>
+            </a:r>
+          </a:p>
+          <a:p>
+            <a:pPr lvl="0"/>
+            <a:r>
+              <a:rPr/>
+              <a:t>总体方差的参数检验</a:t>
+            </a:r>
+          </a:p>
+          <a:p>
+            <a:pPr lvl="0"/>
+            <a:r>
+              <a:rPr/>
+              <a:t>独立性检验</a:t>
+            </a:r>
+          </a:p>
+        </p:txBody>
+      </p:sp>
+    </p:spTree>
+  </p:cSld>
+</p:sld>
+</file>
+
 <file path=ppt/slides/slide25.xml><?xml version="1.0" encoding="utf-8"?>
 <p:sld xmlns:a="http://schemas.openxmlformats.org/drawingml/2006/main" xmlns:r="http://schemas.openxmlformats.org/officeDocument/2006/relationships" xmlns:p="http://schemas.openxmlformats.org/presentationml/2006/main">
   <p:cSld>
@@ -5477,282 +5353,44 @@
             </a:pPr>
             <a:r>
               <a:rPr/>
+              <a:t>7.5 t分布</a:t>
+            </a:r>
+          </a:p>
+        </p:txBody>
+      </p:sp>
+      <p:sp>
+        <p:nvSpPr>
+          <p:cNvPr id="3" name="Content Placeholder 2"/>
+          <p:cNvSpPr>
+            <a:spLocks noGrp="1"/>
+          </p:cNvSpPr>
+          <p:nvPr>
+            <p:ph idx="1"/>
+          </p:nvPr>
+        </p:nvSpPr>
+        <p:spPr/>
+        <p:txBody>
+          <a:bodyPr/>
+          <a:lstStyle/>
+          <a:p>
+            <a:pPr lvl="0"/>
+            <a:r>
+              <a:rPr/>
               <a:t>7.5.1 t分布的性质</a:t>
             </a:r>
           </a:p>
-        </p:txBody>
-      </p:sp>
-      <p:pic>
-        <p:nvPicPr>
-          <p:cNvPr descr="img/eq7.41.png" id="0" name="Picture 1"/>
-          <p:cNvPicPr>
-            <a:picLocks noGrp="1" noChangeAspect="1"/>
-          </p:cNvPicPr>
-          <p:nvPr/>
-        </p:nvPicPr>
-        <p:blipFill>
-          <a:blip r:embed="rId2"/>
-          <a:stretch>
-            <a:fillRect/>
-          </a:stretch>
-        </p:blipFill>
-        <p:spPr bwMode="auto">
-          <a:xfrm>
-            <a:off x="457200" y="2247900"/>
-            <a:ext cx="8229600" cy="1282700"/>
-          </a:xfrm>
-          <a:prstGeom prst="rect">
-            <a:avLst/>
-          </a:prstGeom>
-          <a:noFill/>
-          <a:ln w="9525">
-            <a:noFill/>
-            <a:headEnd/>
-            <a:tailEnd/>
-          </a:ln>
-        </p:spPr>
-      </p:pic>
-    </p:spTree>
-  </p:cSld>
-</p:sld>
-</file>
-
-<file path=ppt/slides/slide26.xml><?xml version="1.0" encoding="utf-8"?>
-<p:sld xmlns:a="http://schemas.openxmlformats.org/drawingml/2006/main" xmlns:r="http://schemas.openxmlformats.org/officeDocument/2006/relationships" xmlns:p="http://schemas.openxmlformats.org/presentationml/2006/main">
-  <p:cSld>
-    <p:spTree>
-      <p:nvGrpSpPr>
-        <p:cNvPr id="1" name=""/>
-        <p:cNvGrpSpPr/>
-        <p:nvPr/>
-      </p:nvGrpSpPr>
-      <p:grpSpPr>
-        <a:xfrm>
-          <a:off x="0" y="0"/>
-          <a:ext cx="0" cy="0"/>
-          <a:chOff x="0" y="0"/>
-          <a:chExt cx="0" cy="0"/>
-        </a:xfrm>
-      </p:grpSpPr>
-      <p:sp>
-        <p:nvSpPr>
-          <p:cNvPr id="2" name="Title 1"/>
-          <p:cNvSpPr>
-            <a:spLocks noGrp="1"/>
-          </p:cNvSpPr>
-          <p:nvPr>
-            <p:ph type="title"/>
-          </p:nvPr>
-        </p:nvSpPr>
-        <p:spPr/>
-        <p:txBody>
-          <a:bodyPr/>
-          <a:lstStyle/>
-          <a:p>
-            <a:pPr lvl="0" indent="0" marL="0">
-              <a:buNone/>
-            </a:pPr>
+          <a:p>
+            <a:pPr lvl="0"/>
             <a:r>
               <a:rPr/>
               <a:t>7.5.2 EXCEL绘制t分布的PDF和CDF</a:t>
             </a:r>
           </a:p>
-        </p:txBody>
-      </p:sp>
-      <p:pic>
-        <p:nvPicPr>
-          <p:cNvPr descr="img/pic7.23.png" id="0" name="Picture 1"/>
-          <p:cNvPicPr>
-            <a:picLocks noGrp="1" noChangeAspect="1"/>
-          </p:cNvPicPr>
-          <p:nvPr/>
-        </p:nvPicPr>
-        <p:blipFill>
-          <a:blip r:embed="rId2"/>
-          <a:stretch>
-            <a:fillRect/>
-          </a:stretch>
-        </p:blipFill>
-        <p:spPr bwMode="auto">
-          <a:xfrm>
-            <a:off x="2209800" y="1193800"/>
-            <a:ext cx="4711700" cy="3390900"/>
-          </a:xfrm>
-          <a:prstGeom prst="rect">
-            <a:avLst/>
-          </a:prstGeom>
-          <a:noFill/>
-          <a:ln w="9525">
-            <a:noFill/>
-            <a:headEnd/>
-            <a:tailEnd/>
-          </a:ln>
-        </p:spPr>
-      </p:pic>
-    </p:spTree>
-  </p:cSld>
-</p:sld>
-</file>
-
-<file path=ppt/slides/slide27.xml><?xml version="1.0" encoding="utf-8"?>
-<p:sld xmlns:a="http://schemas.openxmlformats.org/drawingml/2006/main" xmlns:r="http://schemas.openxmlformats.org/officeDocument/2006/relationships" xmlns:p="http://schemas.openxmlformats.org/presentationml/2006/main">
-  <p:cSld>
-    <p:spTree>
-      <p:nvGrpSpPr>
-        <p:cNvPr id="1" name=""/>
-        <p:cNvGrpSpPr/>
-        <p:nvPr/>
-      </p:nvGrpSpPr>
-      <p:grpSpPr>
-        <a:xfrm>
-          <a:off x="0" y="0"/>
-          <a:ext cx="0" cy="0"/>
-          <a:chOff x="0" y="0"/>
-          <a:chExt cx="0" cy="0"/>
-        </a:xfrm>
-      </p:grpSpPr>
-      <p:sp>
-        <p:nvSpPr>
-          <p:cNvPr id="2" name="Title 1"/>
-          <p:cNvSpPr>
-            <a:spLocks noGrp="1"/>
-          </p:cNvSpPr>
-          <p:nvPr>
-            <p:ph type="title"/>
-          </p:nvPr>
-        </p:nvSpPr>
-        <p:spPr/>
-        <p:txBody>
-          <a:bodyPr/>
-          <a:lstStyle/>
-          <a:p>
-            <a:pPr lvl="0" indent="0" marL="0">
-              <a:buNone/>
-            </a:pPr>
+          <a:p>
+            <a:pPr lvl="0"/>
             <a:r>
               <a:rPr/>
               <a:t>7.5.3 t分布的应用</a:t>
-            </a:r>
-          </a:p>
-        </p:txBody>
-      </p:sp>
-      <p:sp>
-        <p:nvSpPr>
-          <p:cNvPr id="3" name="Content Placeholder 2"/>
-          <p:cNvSpPr>
-            <a:spLocks noGrp="1"/>
-          </p:cNvSpPr>
-          <p:nvPr>
-            <p:ph idx="1"/>
-          </p:nvPr>
-        </p:nvSpPr>
-        <p:spPr/>
-        <p:txBody>
-          <a:bodyPr/>
-          <a:lstStyle/>
-          <a:p>
-            <a:pPr lvl="0"/>
-            <a:r>
-              <a:rPr/>
-              <a:t>总体均值的置信区间的构造</a:t>
-            </a:r>
-          </a:p>
-          <a:p>
-            <a:pPr lvl="0"/>
-            <a:r>
-              <a:rPr/>
-              <a:t>总体均值的参数检验</a:t>
-            </a:r>
-          </a:p>
-          <a:p>
-            <a:pPr lvl="0"/>
-            <a:r>
-              <a:rPr/>
-              <a:t>两个总体均值的参数检验</a:t>
-            </a:r>
-          </a:p>
-        </p:txBody>
-      </p:sp>
-    </p:spTree>
-  </p:cSld>
-</p:sld>
-</file>
-
-<file path=ppt/slides/slide28.xml><?xml version="1.0" encoding="utf-8"?>
-<p:sld xmlns:a="http://schemas.openxmlformats.org/drawingml/2006/main" xmlns:r="http://schemas.openxmlformats.org/officeDocument/2006/relationships" xmlns:p="http://schemas.openxmlformats.org/presentationml/2006/main">
-  <p:cSld>
-    <p:spTree>
-      <p:nvGrpSpPr>
-        <p:cNvPr id="1" name=""/>
-        <p:cNvGrpSpPr/>
-        <p:nvPr/>
-      </p:nvGrpSpPr>
-      <p:grpSpPr>
-        <a:xfrm>
-          <a:off x="0" y="0"/>
-          <a:ext cx="0" cy="0"/>
-          <a:chOff x="0" y="0"/>
-          <a:chExt cx="0" cy="0"/>
-        </a:xfrm>
-      </p:grpSpPr>
-      <p:sp>
-        <p:nvSpPr>
-          <p:cNvPr id="2" name="Title 1"/>
-          <p:cNvSpPr>
-            <a:spLocks noGrp="1"/>
-          </p:cNvSpPr>
-          <p:nvPr>
-            <p:ph type="title"/>
-          </p:nvPr>
-        </p:nvSpPr>
-        <p:spPr/>
-        <p:txBody>
-          <a:bodyPr/>
-          <a:lstStyle/>
-          <a:p>
-            <a:pPr lvl="0" indent="0" marL="0">
-              <a:buNone/>
-            </a:pPr>
-            <a:r>
-              <a:rPr/>
-              <a:t>7.6 F分布</a:t>
-            </a:r>
-          </a:p>
-        </p:txBody>
-      </p:sp>
-      <p:sp>
-        <p:nvSpPr>
-          <p:cNvPr id="3" name="Content Placeholder 2"/>
-          <p:cNvSpPr>
-            <a:spLocks noGrp="1"/>
-          </p:cNvSpPr>
-          <p:nvPr>
-            <p:ph idx="1"/>
-          </p:nvPr>
-        </p:nvSpPr>
-        <p:spPr/>
-        <p:txBody>
-          <a:bodyPr/>
-          <a:lstStyle/>
-          <a:p>
-            <a:pPr lvl="0"/>
-            <a:r>
-              <a:rPr/>
-              <a:t>7.6.1 F分布的性质</a:t>
-            </a:r>
-          </a:p>
-          <a:p>
-            <a:pPr lvl="0"/>
-            <a:r>
-              <a:rPr/>
-              <a:t>7.6.2 EXCEL绘制F分布的PDF和CDF</a:t>
-            </a:r>
-          </a:p>
-          <a:p>
-            <a:pPr lvl="0"/>
-            <a:r>
-              <a:rPr/>
-              <a:t>7.6.3 F分布的应用</a:t>
             </a:r>
           </a:p>
         </p:txBody>
@@ -5942,6 +5580,274 @@
 </p:sld>
 </file>
 
+<file path=ppt/slides/slide26.xml><?xml version="1.0" encoding="utf-8"?>
+<p:sld xmlns:a="http://schemas.openxmlformats.org/drawingml/2006/main" xmlns:r="http://schemas.openxmlformats.org/officeDocument/2006/relationships" xmlns:p="http://schemas.openxmlformats.org/presentationml/2006/main">
+  <p:cSld>
+    <p:spTree>
+      <p:nvGrpSpPr>
+        <p:cNvPr id="1" name=""/>
+        <p:cNvGrpSpPr/>
+        <p:nvPr/>
+      </p:nvGrpSpPr>
+      <p:grpSpPr>
+        <a:xfrm>
+          <a:off x="0" y="0"/>
+          <a:ext cx="0" cy="0"/>
+          <a:chOff x="0" y="0"/>
+          <a:chExt cx="0" cy="0"/>
+        </a:xfrm>
+      </p:grpSpPr>
+      <p:sp>
+        <p:nvSpPr>
+          <p:cNvPr id="2" name="Title 1"/>
+          <p:cNvSpPr>
+            <a:spLocks noGrp="1"/>
+          </p:cNvSpPr>
+          <p:nvPr>
+            <p:ph type="title"/>
+          </p:nvPr>
+        </p:nvSpPr>
+        <p:spPr/>
+        <p:txBody>
+          <a:bodyPr/>
+          <a:lstStyle/>
+          <a:p>
+            <a:pPr lvl="0" indent="0" marL="0">
+              <a:buNone/>
+            </a:pPr>
+            <a:r>
+              <a:rPr/>
+              <a:t>7.5.1 t分布的性质</a:t>
+            </a:r>
+          </a:p>
+        </p:txBody>
+      </p:sp>
+      <p:pic>
+        <p:nvPicPr>
+          <p:cNvPr descr="img/eq7.41.png" id="0" name="Picture 1"/>
+          <p:cNvPicPr>
+            <a:picLocks noGrp="1" noChangeAspect="1"/>
+          </p:cNvPicPr>
+          <p:nvPr/>
+        </p:nvPicPr>
+        <p:blipFill>
+          <a:blip r:embed="rId2"/>
+          <a:stretch>
+            <a:fillRect/>
+          </a:stretch>
+        </p:blipFill>
+        <p:spPr bwMode="auto">
+          <a:xfrm>
+            <a:off x="457200" y="2247900"/>
+            <a:ext cx="8229600" cy="1282700"/>
+          </a:xfrm>
+          <a:prstGeom prst="rect">
+            <a:avLst/>
+          </a:prstGeom>
+          <a:noFill/>
+          <a:ln w="9525">
+            <a:noFill/>
+            <a:headEnd/>
+            <a:tailEnd/>
+          </a:ln>
+        </p:spPr>
+      </p:pic>
+    </p:spTree>
+  </p:cSld>
+</p:sld>
+</file>
+
+<file path=ppt/slides/slide27.xml><?xml version="1.0" encoding="utf-8"?>
+<p:sld xmlns:a="http://schemas.openxmlformats.org/drawingml/2006/main" xmlns:r="http://schemas.openxmlformats.org/officeDocument/2006/relationships" xmlns:p="http://schemas.openxmlformats.org/presentationml/2006/main">
+  <p:cSld>
+    <p:spTree>
+      <p:nvGrpSpPr>
+        <p:cNvPr id="1" name=""/>
+        <p:cNvGrpSpPr/>
+        <p:nvPr/>
+      </p:nvGrpSpPr>
+      <p:grpSpPr>
+        <a:xfrm>
+          <a:off x="0" y="0"/>
+          <a:ext cx="0" cy="0"/>
+          <a:chOff x="0" y="0"/>
+          <a:chExt cx="0" cy="0"/>
+        </a:xfrm>
+      </p:grpSpPr>
+      <p:sp>
+        <p:nvSpPr>
+          <p:cNvPr id="2" name="Title 1"/>
+          <p:cNvSpPr>
+            <a:spLocks noGrp="1"/>
+          </p:cNvSpPr>
+          <p:nvPr>
+            <p:ph type="title"/>
+          </p:nvPr>
+        </p:nvSpPr>
+        <p:spPr/>
+        <p:txBody>
+          <a:bodyPr/>
+          <a:lstStyle/>
+          <a:p>
+            <a:pPr lvl="0" indent="0" marL="0">
+              <a:buNone/>
+            </a:pPr>
+            <a:r>
+              <a:rPr/>
+              <a:t>7.5.2 EXCEL绘制t分布的PDF和CDF</a:t>
+            </a:r>
+          </a:p>
+        </p:txBody>
+      </p:sp>
+      <p:pic>
+        <p:nvPicPr>
+          <p:cNvPr descr="img/pic7.23.png" id="0" name="Picture 1"/>
+          <p:cNvPicPr>
+            <a:picLocks noGrp="1" noChangeAspect="1"/>
+          </p:cNvPicPr>
+          <p:nvPr/>
+        </p:nvPicPr>
+        <p:blipFill>
+          <a:blip r:embed="rId2"/>
+          <a:stretch>
+            <a:fillRect/>
+          </a:stretch>
+        </p:blipFill>
+        <p:spPr bwMode="auto">
+          <a:xfrm>
+            <a:off x="2565400" y="1193800"/>
+            <a:ext cx="4013200" cy="2882900"/>
+          </a:xfrm>
+          <a:prstGeom prst="rect">
+            <a:avLst/>
+          </a:prstGeom>
+          <a:noFill/>
+          <a:ln w="9525">
+            <a:noFill/>
+            <a:headEnd/>
+            <a:tailEnd/>
+          </a:ln>
+        </p:spPr>
+      </p:pic>
+      <p:sp>
+        <p:nvSpPr>
+          <p:cNvPr id="1" name="TextBox 3"/>
+          <p:cNvSpPr txBox="1"/>
+          <p:nvPr/>
+        </p:nvSpPr>
+        <p:spPr>
+          <a:xfrm>
+            <a:off x="457200" y="4076700"/>
+            <a:ext cx="8229600" cy="508000"/>
+          </a:xfrm>
+          <a:prstGeom prst="rect">
+            <a:avLst/>
+          </a:prstGeom>
+          <a:noFill/>
+        </p:spPr>
+        <p:txBody>
+          <a:bodyPr/>
+          <a:lstStyle/>
+          <a:p>
+            <a:pPr lvl="0" indent="0" marL="0" algn="ctr">
+              <a:buNone/>
+            </a:pPr>
+            <a:r>
+              <a:rPr/>
+              <a:t>图7.23 t(2)、t(5)、t(15)和N(0,1)的概率密度曲线</a:t>
+            </a:r>
+          </a:p>
+        </p:txBody>
+      </p:sp>
+    </p:spTree>
+  </p:cSld>
+</p:sld>
+</file>
+
+<file path=ppt/slides/slide28.xml><?xml version="1.0" encoding="utf-8"?>
+<p:sld xmlns:a="http://schemas.openxmlformats.org/drawingml/2006/main" xmlns:r="http://schemas.openxmlformats.org/officeDocument/2006/relationships" xmlns:p="http://schemas.openxmlformats.org/presentationml/2006/main">
+  <p:cSld>
+    <p:spTree>
+      <p:nvGrpSpPr>
+        <p:cNvPr id="1" name=""/>
+        <p:cNvGrpSpPr/>
+        <p:nvPr/>
+      </p:nvGrpSpPr>
+      <p:grpSpPr>
+        <a:xfrm>
+          <a:off x="0" y="0"/>
+          <a:ext cx="0" cy="0"/>
+          <a:chOff x="0" y="0"/>
+          <a:chExt cx="0" cy="0"/>
+        </a:xfrm>
+      </p:grpSpPr>
+      <p:sp>
+        <p:nvSpPr>
+          <p:cNvPr id="2" name="Title 1"/>
+          <p:cNvSpPr>
+            <a:spLocks noGrp="1"/>
+          </p:cNvSpPr>
+          <p:nvPr>
+            <p:ph type="title"/>
+          </p:nvPr>
+        </p:nvSpPr>
+        <p:spPr/>
+        <p:txBody>
+          <a:bodyPr/>
+          <a:lstStyle/>
+          <a:p>
+            <a:pPr lvl="0" indent="0" marL="0">
+              <a:buNone/>
+            </a:pPr>
+            <a:r>
+              <a:rPr/>
+              <a:t>7.5.3 t分布的应用</a:t>
+            </a:r>
+          </a:p>
+        </p:txBody>
+      </p:sp>
+      <p:sp>
+        <p:nvSpPr>
+          <p:cNvPr id="3" name="Content Placeholder 2"/>
+          <p:cNvSpPr>
+            <a:spLocks noGrp="1"/>
+          </p:cNvSpPr>
+          <p:nvPr>
+            <p:ph idx="1"/>
+          </p:nvPr>
+        </p:nvSpPr>
+        <p:spPr/>
+        <p:txBody>
+          <a:bodyPr/>
+          <a:lstStyle/>
+          <a:p>
+            <a:pPr lvl="0"/>
+            <a:r>
+              <a:rPr/>
+              <a:t>总体均值的置信区间的构造</a:t>
+            </a:r>
+          </a:p>
+          <a:p>
+            <a:pPr lvl="0"/>
+            <a:r>
+              <a:rPr/>
+              <a:t>总体均值的参数检验</a:t>
+            </a:r>
+          </a:p>
+          <a:p>
+            <a:pPr lvl="0"/>
+            <a:r>
+              <a:rPr/>
+              <a:t>两个总体均值的参数检验</a:t>
+            </a:r>
+          </a:p>
+        </p:txBody>
+      </p:sp>
+    </p:spTree>
+  </p:cSld>
+</p:sld>
+</file>
+
 <file path=ppt/slides/slide29.xml><?xml version="1.0" encoding="utf-8"?>
 <p:sld xmlns:a="http://schemas.openxmlformats.org/drawingml/2006/main" xmlns:r="http://schemas.openxmlformats.org/officeDocument/2006/relationships" xmlns:p="http://schemas.openxmlformats.org/presentationml/2006/main">
   <p:cSld>
@@ -5979,43 +5885,230 @@
             </a:pPr>
             <a:r>
               <a:rPr/>
+              <a:t>7.6 F分布</a:t>
+            </a:r>
+          </a:p>
+        </p:txBody>
+      </p:sp>
+      <p:sp>
+        <p:nvSpPr>
+          <p:cNvPr id="3" name="Content Placeholder 2"/>
+          <p:cNvSpPr>
+            <a:spLocks noGrp="1"/>
+          </p:cNvSpPr>
+          <p:nvPr>
+            <p:ph idx="1"/>
+          </p:nvPr>
+        </p:nvSpPr>
+        <p:spPr/>
+        <p:txBody>
+          <a:bodyPr/>
+          <a:lstStyle/>
+          <a:p>
+            <a:pPr lvl="0"/>
+            <a:r>
+              <a:rPr/>
               <a:t>7.6.1 F分布的性质</a:t>
             </a:r>
           </a:p>
-        </p:txBody>
-      </p:sp>
-      <p:pic>
-        <p:nvPicPr>
-          <p:cNvPr descr="img/eq7.42.png" id="0" name="Picture 1"/>
-          <p:cNvPicPr>
-            <a:picLocks noGrp="1" noChangeAspect="1"/>
-          </p:cNvPicPr>
-          <p:nvPr/>
-        </p:nvPicPr>
-        <p:blipFill>
-          <a:blip r:embed="rId2"/>
-          <a:stretch>
-            <a:fillRect/>
-          </a:stretch>
-        </p:blipFill>
-        <p:spPr bwMode="auto">
-          <a:xfrm>
-            <a:off x="457200" y="2146300"/>
-            <a:ext cx="8229600" cy="1473200"/>
-          </a:xfrm>
-          <a:prstGeom prst="rect">
-            <a:avLst/>
-          </a:prstGeom>
-          <a:noFill/>
-          <a:ln w="9525">
-            <a:noFill/>
-            <a:headEnd/>
-            <a:tailEnd/>
-          </a:ln>
-        </p:spPr>
-      </p:pic>
+          <a:p>
+            <a:pPr lvl="0"/>
+            <a:r>
+              <a:rPr/>
+              <a:t>7.6.2 EXCEL绘制F分布的PDF和CDF</a:t>
+            </a:r>
+          </a:p>
+          <a:p>
+            <a:pPr lvl="0"/>
+            <a:r>
+              <a:rPr/>
+              <a:t>7.6.3 F分布的应用</a:t>
+            </a:r>
+          </a:p>
+        </p:txBody>
+      </p:sp>
     </p:spTree>
   </p:cSld>
+  <p:timing>
+    <p:tnLst>
+      <p:par>
+        <p:cTn id="1" dur="indefinite" restart="never" nodeType="tmRoot">
+          <p:childTnLst>
+            <p:seq concurrent="1" nextAc="seek">
+              <p:cTn id="2" dur="indefinite" nodeType="mainSeq">
+                <p:childTnLst>
+                  <p:par>
+                    <p:cTn id="3" fill="hold">
+                      <p:stCondLst>
+                        <p:cond delay="indefinite"/>
+                      </p:stCondLst>
+                      <p:childTnLst>
+                        <p:par>
+                          <p:cTn id="4" fill="hold">
+                            <p:stCondLst>
+                              <p:cond delay="0"/>
+                            </p:stCondLst>
+                            <p:childTnLst>
+                              <p:par>
+                                <p:cTn id="5" presetID="1" presetClass="entr" presetSubtype="0" fill="hold" grpId="0" nodeType="clickEffect">
+                                  <p:stCondLst>
+                                    <p:cond delay="0"/>
+                                  </p:stCondLst>
+                                  <p:childTnLst>
+                                    <p:set>
+                                      <p:cBhvr>
+                                        <p:cTn id="6" dur="1" fill="hold">
+                                          <p:stCondLst>
+                                            <p:cond delay="0"/>
+                                          </p:stCondLst>
+                                        </p:cTn>
+                                        <p:tgtEl>
+                                          <p:spTgt spid="3">
+                                            <p:txEl>
+                                              <p:pRg st="0" end="0"/>
+                                            </p:txEl>
+                                          </p:spTgt>
+                                        </p:tgtEl>
+                                        <p:attrNameLst>
+                                          <p:attrName>style.visibility</p:attrName>
+                                        </p:attrNameLst>
+                                      </p:cBhvr>
+                                      <p:to>
+                                        <p:strVal val="visible"/>
+                                      </p:to>
+                                    </p:set>
+                                  </p:childTnLst>
+                                </p:cTn>
+                              </p:par>
+                            </p:childTnLst>
+                          </p:cTn>
+                        </p:par>
+                      </p:childTnLst>
+                    </p:cTn>
+                  </p:par>
+                  <p:par>
+                    <p:cTn id="7" fill="hold">
+                      <p:stCondLst>
+                        <p:cond delay="indefinite"/>
+                      </p:stCondLst>
+                      <p:childTnLst>
+                        <p:par>
+                          <p:cTn id="8" fill="hold">
+                            <p:stCondLst>
+                              <p:cond delay="0"/>
+                            </p:stCondLst>
+                            <p:childTnLst>
+                              <p:par>
+                                <p:cTn id="9" presetID="1" presetClass="entr" presetSubtype="0" fill="hold" grpId="0" nodeType="clickEffect">
+                                  <p:stCondLst>
+                                    <p:cond delay="0"/>
+                                  </p:stCondLst>
+                                  <p:childTnLst>
+                                    <p:set>
+                                      <p:cBhvr>
+                                        <p:cTn id="10" dur="1" fill="hold">
+                                          <p:stCondLst>
+                                            <p:cond delay="0"/>
+                                          </p:stCondLst>
+                                        </p:cTn>
+                                        <p:tgtEl>
+                                          <p:spTgt spid="3">
+                                            <p:txEl>
+                                              <p:pRg st="1" end="1"/>
+                                            </p:txEl>
+                                          </p:spTgt>
+                                        </p:tgtEl>
+                                        <p:attrNameLst>
+                                          <p:attrName>style.visibility</p:attrName>
+                                        </p:attrNameLst>
+                                      </p:cBhvr>
+                                      <p:to>
+                                        <p:strVal val="visible"/>
+                                      </p:to>
+                                    </p:set>
+                                  </p:childTnLst>
+                                </p:cTn>
+                              </p:par>
+                            </p:childTnLst>
+                          </p:cTn>
+                        </p:par>
+                      </p:childTnLst>
+                    </p:cTn>
+                  </p:par>
+                  <p:par>
+                    <p:cTn id="11" fill="hold">
+                      <p:stCondLst>
+                        <p:cond delay="indefinite"/>
+                      </p:stCondLst>
+                      <p:childTnLst>
+                        <p:par>
+                          <p:cTn id="12" fill="hold">
+                            <p:stCondLst>
+                              <p:cond delay="0"/>
+                            </p:stCondLst>
+                            <p:childTnLst>
+                              <p:par>
+                                <p:cTn id="13" presetID="1" presetClass="entr" presetSubtype="0" fill="hold" grpId="0" nodeType="clickEffect">
+                                  <p:stCondLst>
+                                    <p:cond delay="0"/>
+                                  </p:stCondLst>
+                                  <p:childTnLst>
+                                    <p:set>
+                                      <p:cBhvr>
+                                        <p:cTn id="14" dur="1" fill="hold">
+                                          <p:stCondLst>
+                                            <p:cond delay="0"/>
+                                          </p:stCondLst>
+                                        </p:cTn>
+                                        <p:tgtEl>
+                                          <p:spTgt spid="3">
+                                            <p:txEl>
+                                              <p:pRg st="2" end="2"/>
+                                            </p:txEl>
+                                          </p:spTgt>
+                                        </p:tgtEl>
+                                        <p:attrNameLst>
+                                          <p:attrName>style.visibility</p:attrName>
+                                        </p:attrNameLst>
+                                      </p:cBhvr>
+                                      <p:to>
+                                        <p:strVal val="visible"/>
+                                      </p:to>
+                                    </p:set>
+                                  </p:childTnLst>
+                                </p:cTn>
+                              </p:par>
+                            </p:childTnLst>
+                          </p:cTn>
+                        </p:par>
+                      </p:childTnLst>
+                    </p:cTn>
+                  </p:par>
+                </p:childTnLst>
+              </p:cTn>
+              <p:prevCondLst>
+                <p:cond evt="onPrev" delay="0">
+                  <p:tgtEl>
+                    <p:sldTgt/>
+                  </p:tgtEl>
+                </p:cond>
+              </p:prevCondLst>
+              <p:nextCondLst>
+                <p:cond evt="onNext" delay="0">
+                  <p:tgtEl>
+                    <p:sldTgt/>
+                  </p:tgtEl>
+                </p:cond>
+              </p:nextCondLst>
+            </p:seq>
+          </p:childTnLst>
+        </p:cTn>
+      </p:par>
+    </p:tnLst>
+    <p:bldLst>
+      <p:bldP spid="3" grpId="0" uiExpand="1" build="p"/>
+    </p:bldLst>
+  </p:timing>
 </p:sld>
 </file>
 
@@ -6376,6 +6469,83 @@
             </a:pPr>
             <a:r>
               <a:rPr/>
+              <a:t>7.6.1 F分布的性质</a:t>
+            </a:r>
+          </a:p>
+        </p:txBody>
+      </p:sp>
+      <p:pic>
+        <p:nvPicPr>
+          <p:cNvPr descr="img/eq7.42.png" id="0" name="Picture 1"/>
+          <p:cNvPicPr>
+            <a:picLocks noGrp="1" noChangeAspect="1"/>
+          </p:cNvPicPr>
+          <p:nvPr/>
+        </p:nvPicPr>
+        <p:blipFill>
+          <a:blip r:embed="rId2"/>
+          <a:stretch>
+            <a:fillRect/>
+          </a:stretch>
+        </p:blipFill>
+        <p:spPr bwMode="auto">
+          <a:xfrm>
+            <a:off x="457200" y="2146300"/>
+            <a:ext cx="8229600" cy="1473200"/>
+          </a:xfrm>
+          <a:prstGeom prst="rect">
+            <a:avLst/>
+          </a:prstGeom>
+          <a:noFill/>
+          <a:ln w="9525">
+            <a:noFill/>
+            <a:headEnd/>
+            <a:tailEnd/>
+          </a:ln>
+        </p:spPr>
+      </p:pic>
+    </p:spTree>
+  </p:cSld>
+</p:sld>
+</file>
+
+<file path=ppt/slides/slide31.xml><?xml version="1.0" encoding="utf-8"?>
+<p:sld xmlns:a="http://schemas.openxmlformats.org/drawingml/2006/main" xmlns:r="http://schemas.openxmlformats.org/officeDocument/2006/relationships" xmlns:p="http://schemas.openxmlformats.org/presentationml/2006/main">
+  <p:cSld>
+    <p:spTree>
+      <p:nvGrpSpPr>
+        <p:cNvPr id="1" name=""/>
+        <p:cNvGrpSpPr/>
+        <p:nvPr/>
+      </p:nvGrpSpPr>
+      <p:grpSpPr>
+        <a:xfrm>
+          <a:off x="0" y="0"/>
+          <a:ext cx="0" cy="0"/>
+          <a:chOff x="0" y="0"/>
+          <a:chExt cx="0" cy="0"/>
+        </a:xfrm>
+      </p:grpSpPr>
+      <p:sp>
+        <p:nvSpPr>
+          <p:cNvPr id="2" name="Title 1"/>
+          <p:cNvSpPr>
+            <a:spLocks noGrp="1"/>
+          </p:cNvSpPr>
+          <p:nvPr>
+            <p:ph type="title"/>
+          </p:nvPr>
+        </p:nvSpPr>
+        <p:spPr/>
+        <p:txBody>
+          <a:bodyPr/>
+          <a:lstStyle/>
+          <a:p>
+            <a:pPr lvl="0" indent="0" marL="0">
+              <a:buNone/>
+            </a:pPr>
+            <a:r>
+              <a:rPr/>
               <a:t>7.6.2 EXCEL绘制F分布的PDF和CDF</a:t>
             </a:r>
           </a:p>
@@ -6446,83 +6616,6 @@
 </p:sld>
 </file>
 
-<file path=ppt/slides/slide31.xml><?xml version="1.0" encoding="utf-8"?>
-<p:sld xmlns:a="http://schemas.openxmlformats.org/drawingml/2006/main" xmlns:r="http://schemas.openxmlformats.org/officeDocument/2006/relationships" xmlns:p="http://schemas.openxmlformats.org/presentationml/2006/main">
-  <p:cSld>
-    <p:spTree>
-      <p:nvGrpSpPr>
-        <p:cNvPr id="1" name=""/>
-        <p:cNvGrpSpPr/>
-        <p:nvPr/>
-      </p:nvGrpSpPr>
-      <p:grpSpPr>
-        <a:xfrm>
-          <a:off x="0" y="0"/>
-          <a:ext cx="0" cy="0"/>
-          <a:chOff x="0" y="0"/>
-          <a:chExt cx="0" cy="0"/>
-        </a:xfrm>
-      </p:grpSpPr>
-      <p:sp>
-        <p:nvSpPr>
-          <p:cNvPr id="2" name="Title 1"/>
-          <p:cNvSpPr>
-            <a:spLocks noGrp="1"/>
-          </p:cNvSpPr>
-          <p:nvPr>
-            <p:ph type="title"/>
-          </p:nvPr>
-        </p:nvSpPr>
-        <p:spPr/>
-        <p:txBody>
-          <a:bodyPr/>
-          <a:lstStyle/>
-          <a:p>
-            <a:pPr lvl="0" indent="0" marL="0">
-              <a:buNone/>
-            </a:pPr>
-            <a:r>
-              <a:rPr/>
-              <a:t>7.6.3 F分布的应用</a:t>
-            </a:r>
-          </a:p>
-        </p:txBody>
-      </p:sp>
-      <p:pic>
-        <p:nvPicPr>
-          <p:cNvPr descr="img/pic7.19.png" id="0" name="Picture 1"/>
-          <p:cNvPicPr>
-            <a:picLocks noGrp="1" noChangeAspect="1"/>
-          </p:cNvPicPr>
-          <p:nvPr/>
-        </p:nvPicPr>
-        <p:blipFill>
-          <a:blip r:embed="rId2"/>
-          <a:stretch>
-            <a:fillRect/>
-          </a:stretch>
-        </p:blipFill>
-        <p:spPr bwMode="auto">
-          <a:xfrm>
-            <a:off x="1219200" y="1193800"/>
-            <a:ext cx="6705600" cy="3390900"/>
-          </a:xfrm>
-          <a:prstGeom prst="rect">
-            <a:avLst/>
-          </a:prstGeom>
-          <a:noFill/>
-          <a:ln w="9525">
-            <a:noFill/>
-            <a:headEnd/>
-            <a:tailEnd/>
-          </a:ln>
-        </p:spPr>
-      </p:pic>
-    </p:spTree>
-  </p:cSld>
-</p:sld>
-</file>
-
 <file path=ppt/slides/slide32.xml><?xml version="1.0" encoding="utf-8"?>
 <p:sld xmlns:a="http://schemas.openxmlformats.org/drawingml/2006/main" xmlns:r="http://schemas.openxmlformats.org/officeDocument/2006/relationships" xmlns:p="http://schemas.openxmlformats.org/presentationml/2006/main">
   <p:cSld>
@@ -6560,6 +6653,83 @@
             </a:pPr>
             <a:r>
               <a:rPr/>
+              <a:t>7.6.3 F分布的应用</a:t>
+            </a:r>
+          </a:p>
+        </p:txBody>
+      </p:sp>
+      <p:sp>
+        <p:nvSpPr>
+          <p:cNvPr id="3" name="Content Placeholder 2"/>
+          <p:cNvSpPr>
+            <a:spLocks noGrp="1"/>
+          </p:cNvSpPr>
+          <p:nvPr>
+            <p:ph idx="1"/>
+          </p:nvPr>
+        </p:nvSpPr>
+        <p:spPr/>
+        <p:txBody>
+          <a:bodyPr/>
+          <a:lstStyle/>
+          <a:p>
+            <a:pPr lvl="0"/>
+            <a:r>
+              <a:rPr/>
+              <a:t>两个总体的方差比的检验</a:t>
+            </a:r>
+          </a:p>
+          <a:p>
+            <a:pPr lvl="0"/>
+            <a:r>
+              <a:rPr/>
+              <a:t>方差分析</a:t>
+            </a:r>
+          </a:p>
+        </p:txBody>
+      </p:sp>
+    </p:spTree>
+  </p:cSld>
+</p:sld>
+</file>
+
+<file path=ppt/slides/slide33.xml><?xml version="1.0" encoding="utf-8"?>
+<p:sld xmlns:a="http://schemas.openxmlformats.org/drawingml/2006/main" xmlns:r="http://schemas.openxmlformats.org/officeDocument/2006/relationships" xmlns:p="http://schemas.openxmlformats.org/presentationml/2006/main">
+  <p:cSld>
+    <p:spTree>
+      <p:nvGrpSpPr>
+        <p:cNvPr id="1" name=""/>
+        <p:cNvGrpSpPr/>
+        <p:nvPr/>
+      </p:nvGrpSpPr>
+      <p:grpSpPr>
+        <a:xfrm>
+          <a:off x="0" y="0"/>
+          <a:ext cx="0" cy="0"/>
+          <a:chOff x="0" y="0"/>
+          <a:chExt cx="0" cy="0"/>
+        </a:xfrm>
+      </p:grpSpPr>
+      <p:sp>
+        <p:nvSpPr>
+          <p:cNvPr id="2" name="Title 1"/>
+          <p:cNvSpPr>
+            <a:spLocks noGrp="1"/>
+          </p:cNvSpPr>
+          <p:nvPr>
+            <p:ph type="title"/>
+          </p:nvPr>
+        </p:nvSpPr>
+        <p:spPr/>
+        <p:txBody>
+          <a:bodyPr/>
+          <a:lstStyle/>
+          <a:p>
+            <a:pPr lvl="0" indent="0" marL="0">
+              <a:buNone/>
+            </a:pPr>
+            <a:r>
+              <a:rPr/>
               <a:t>7.7 指数分布</a:t>
             </a:r>
           </a:p>
@@ -6579,20 +6749,6 @@
         <p:txBody>
           <a:bodyPr/>
           <a:lstStyle/>
-          <a:p>
-            <a:pPr lvl="0"/>
-            <a:r>
-              <a:rPr/>
-              <a:t>两个总体的方差比的检验</a:t>
-            </a:r>
-          </a:p>
-          <a:p>
-            <a:pPr lvl="0"/>
-            <a:r>
-              <a:rPr/>
-              <a:t>方差分析</a:t>
-            </a:r>
-          </a:p>
           <a:p>
             <a:pPr lvl="0"/>
             <a:r>
@@ -6654,7 +6810,7 @@
                                         <p:tgtEl>
                                           <p:spTgt spid="3">
                                             <p:txEl>
-                                              <p:pRg st="2" end="2"/>
+                                              <p:pRg st="0" end="0"/>
                                             </p:txEl>
                                           </p:spTgt>
                                         </p:tgtEl>
@@ -6703,7 +6859,7 @@
                                         <p:tgtEl>
                                           <p:spTgt spid="3">
                                             <p:txEl>
-                                              <p:pRg st="3" end="3"/>
+                                              <p:pRg st="1" end="1"/>
                                             </p:txEl>
                                           </p:spTgt>
                                         </p:tgtEl>
@@ -6752,7 +6908,7 @@
                                         <p:tgtEl>
                                           <p:spTgt spid="3">
                                             <p:txEl>
-                                              <p:pRg st="4" end="4"/>
+                                              <p:pRg st="2" end="2"/>
                                             </p:txEl>
                                           </p:spTgt>
                                         </p:tgtEl>
@@ -6801,7 +6957,7 @@
 </p:sld>
 </file>
 
-<file path=ppt/slides/slide33.xml><?xml version="1.0" encoding="utf-8"?>
+<file path=ppt/slides/slide34.xml><?xml version="1.0" encoding="utf-8"?>
 <p:sld xmlns:a="http://schemas.openxmlformats.org/drawingml/2006/main" xmlns:r="http://schemas.openxmlformats.org/officeDocument/2006/relationships" xmlns:p="http://schemas.openxmlformats.org/presentationml/2006/main">
   <p:cSld>
     <p:spTree>
@@ -6878,7 +7034,7 @@
 </p:sld>
 </file>
 
-<file path=ppt/slides/slide34.xml><?xml version="1.0" encoding="utf-8"?>
+<file path=ppt/slides/slide35.xml><?xml version="1.0" encoding="utf-8"?>
 <p:sld xmlns:a="http://schemas.openxmlformats.org/drawingml/2006/main" xmlns:r="http://schemas.openxmlformats.org/officeDocument/2006/relationships" xmlns:p="http://schemas.openxmlformats.org/presentationml/2006/main">
   <p:cSld>
     <p:spTree>
@@ -6985,7 +7141,7 @@
 </p:sld>
 </file>
 
-<file path=ppt/slides/slide35.xml><?xml version="1.0" encoding="utf-8"?>
+<file path=ppt/slides/slide36.xml><?xml version="1.0" encoding="utf-8"?>
 <p:sld xmlns:a="http://schemas.openxmlformats.org/drawingml/2006/main" xmlns:r="http://schemas.openxmlformats.org/officeDocument/2006/relationships" xmlns:p="http://schemas.openxmlformats.org/presentationml/2006/main">
   <p:cSld>
     <p:spTree>
@@ -7069,7 +7225,7 @@
 </p:sld>
 </file>
 
-<file path=ppt/slides/slide36.xml><?xml version="1.0" encoding="utf-8"?>
+<file path=ppt/slides/slide37.xml><?xml version="1.0" encoding="utf-8"?>
 <p:sld xmlns:a="http://schemas.openxmlformats.org/drawingml/2006/main" xmlns:r="http://schemas.openxmlformats.org/officeDocument/2006/relationships" xmlns:p="http://schemas.openxmlformats.org/presentationml/2006/main">
   <p:cSld>
     <p:spTree>
@@ -7245,12 +7401,7 @@
             <p:ph type="title"/>
           </p:nvPr>
         </p:nvSpPr>
-        <p:spPr>
-          <a:xfrm>
-            <a:off x="457201" y="204787"/>
-            <a:ext cx="3008313" cy="871538"/>
-          </a:xfrm>
-        </p:spPr>
+        <p:spPr/>
         <p:txBody>
           <a:bodyPr/>
           <a:lstStyle/>
@@ -7267,12 +7418,57 @@
       </p:sp>
       <p:sp>
         <p:nvSpPr>
-          <p:cNvPr id="4" name="Text Placeholder 3"/>
-          <p:cNvSpPr>
-            <a:spLocks noGrp="1"/>
-          </p:cNvSpPr>
-          <p:nvPr>
-            <p:ph idx="2" sz="half" type="body"/>
+          <p:cNvPr id="3" name="Content Placeholder 2"/>
+          <p:cNvSpPr>
+            <a:spLocks noGrp="1"/>
+          </p:cNvSpPr>
+          <p:nvPr>
+            <p:ph idx="1"/>
+          </p:nvPr>
+        </p:nvSpPr>
+        <p:spPr/>
+        <p:txBody>
+          <a:bodyPr/>
+          <a:lstStyle/>
+          <a:p>
+            <a:pPr lvl="0"/>
+            <a:r>
+              <a:rPr/>
+              <a:t>概率密度函数（Probability Density Function，简称PDF），描述了连续型随机变量X的分布</a:t>
+            </a:r>
+          </a:p>
+        </p:txBody>
+      </p:sp>
+    </p:spTree>
+  </p:cSld>
+</p:sld>
+</file>
+
+<file path=ppt/slides/slide6.xml><?xml version="1.0" encoding="utf-8"?>
+<p:sld xmlns:a="http://schemas.openxmlformats.org/drawingml/2006/main" xmlns:r="http://schemas.openxmlformats.org/officeDocument/2006/relationships" xmlns:p="http://schemas.openxmlformats.org/presentationml/2006/main">
+  <p:cSld>
+    <p:spTree>
+      <p:nvGrpSpPr>
+        <p:cNvPr id="1" name=""/>
+        <p:cNvGrpSpPr/>
+        <p:nvPr/>
+      </p:nvGrpSpPr>
+      <p:grpSpPr>
+        <a:xfrm>
+          <a:off x="0" y="0"/>
+          <a:ext cx="0" cy="0"/>
+          <a:chOff x="0" y="0"/>
+          <a:chExt cx="0" cy="0"/>
+        </a:xfrm>
+      </p:grpSpPr>
+      <p:sp>
+        <p:nvSpPr>
+          <p:cNvPr id="2" name="Title 1"/>
+          <p:cNvSpPr>
+            <a:spLocks noGrp="1"/>
+          </p:cNvSpPr>
+          <p:nvPr>
+            <p:ph type="title"/>
           </p:nvPr>
         </p:nvSpPr>
         <p:spPr/>
@@ -7285,7 +7481,7 @@
             </a:pPr>
             <a:r>
               <a:rPr/>
-              <a:t>概率密度函数（Probability Density Function，简称PDF），描述了连续型随机变量X的分布</a:t>
+              <a:t>7.1.2 概率密度函数的性质</a:t>
             </a:r>
           </a:p>
         </p:txBody>
@@ -7306,8 +7502,8 @@
         </p:blipFill>
         <p:spPr bwMode="auto">
           <a:xfrm>
-            <a:off x="3568700" y="1943100"/>
-            <a:ext cx="5105400" cy="889000"/>
+            <a:off x="457200" y="2171700"/>
+            <a:ext cx="8229600" cy="1435100"/>
           </a:xfrm>
           <a:prstGeom prst="rect">
             <a:avLst/>
@@ -7325,7 +7521,7 @@
 </p:sld>
 </file>
 
-<file path=ppt/slides/slide6.xml><?xml version="1.0" encoding="utf-8"?>
+<file path=ppt/slides/slide7.xml><?xml version="1.0" encoding="utf-8"?>
 <p:sld xmlns:a="http://schemas.openxmlformats.org/drawingml/2006/main" xmlns:r="http://schemas.openxmlformats.org/officeDocument/2006/relationships" xmlns:p="http://schemas.openxmlformats.org/presentationml/2006/main">
   <p:cSld>
     <p:spTree>
@@ -7402,7 +7598,7 @@
 </p:sld>
 </file>
 
-<file path=ppt/slides/slide7.xml><?xml version="1.0" encoding="utf-8"?>
+<file path=ppt/slides/slide8.xml><?xml version="1.0" encoding="utf-8"?>
 <p:sld xmlns:a="http://schemas.openxmlformats.org/drawingml/2006/main" xmlns:r="http://schemas.openxmlformats.org/officeDocument/2006/relationships" xmlns:p="http://schemas.openxmlformats.org/presentationml/2006/main">
   <p:cSld>
     <p:spTree>
@@ -7479,90 +7675,6 @@
 </p:sld>
 </file>
 
-<file path=ppt/slides/slide8.xml><?xml version="1.0" encoding="utf-8"?>
-<p:sld xmlns:a="http://schemas.openxmlformats.org/drawingml/2006/main" xmlns:r="http://schemas.openxmlformats.org/officeDocument/2006/relationships" xmlns:p="http://schemas.openxmlformats.org/presentationml/2006/main">
-  <p:cSld>
-    <p:spTree>
-      <p:nvGrpSpPr>
-        <p:cNvPr id="1" name=""/>
-        <p:cNvGrpSpPr/>
-        <p:nvPr/>
-      </p:nvGrpSpPr>
-      <p:grpSpPr>
-        <a:xfrm>
-          <a:off x="0" y="0"/>
-          <a:ext cx="0" cy="0"/>
-          <a:chOff x="0" y="0"/>
-          <a:chExt cx="0" cy="0"/>
-        </a:xfrm>
-      </p:grpSpPr>
-      <p:sp>
-        <p:nvSpPr>
-          <p:cNvPr id="2" name="Title 1"/>
-          <p:cNvSpPr>
-            <a:spLocks noGrp="1"/>
-          </p:cNvSpPr>
-          <p:nvPr>
-            <p:ph type="title"/>
-          </p:nvPr>
-        </p:nvSpPr>
-        <p:spPr/>
-        <p:txBody>
-          <a:bodyPr/>
-          <a:lstStyle/>
-          <a:p>
-            <a:pPr lvl="0" indent="0" marL="0">
-              <a:buNone/>
-            </a:pPr>
-            <a:r>
-              <a:rPr/>
-              <a:t>7.2 均匀分布</a:t>
-            </a:r>
-          </a:p>
-        </p:txBody>
-      </p:sp>
-      <p:sp>
-        <p:nvSpPr>
-          <p:cNvPr id="3" name="Content Placeholder 2"/>
-          <p:cNvSpPr>
-            <a:spLocks noGrp="1"/>
-          </p:cNvSpPr>
-          <p:nvPr>
-            <p:ph idx="1"/>
-          </p:nvPr>
-        </p:nvSpPr>
-        <p:spPr/>
-        <p:txBody>
-          <a:bodyPr/>
-          <a:lstStyle/>
-          <a:p>
-            <a:pPr lvl="0"/>
-            <a:r>
-              <a:rPr/>
-              <a:t>均匀分布的概率密度函数</a:t>
-            </a:r>
-          </a:p>
-          <a:p>
-            <a:pPr lvl="0"/>
-            <a:r>
-              <a:rPr/>
-              <a:t>均匀分布的累积分布函数</a:t>
-            </a:r>
-          </a:p>
-          <a:p>
-            <a:pPr lvl="0"/>
-            <a:r>
-              <a:rPr/>
-              <a:t>均匀分布的期望和方差</a:t>
-            </a:r>
-          </a:p>
-        </p:txBody>
-      </p:sp>
-    </p:spTree>
-  </p:cSld>
-</p:sld>
-</file>
-
 <file path=ppt/slides/slide9.xml><?xml version="1.0" encoding="utf-8"?>
 <p:sld xmlns:a="http://schemas.openxmlformats.org/drawingml/2006/main" xmlns:r="http://schemas.openxmlformats.org/officeDocument/2006/relationships" xmlns:p="http://schemas.openxmlformats.org/presentationml/2006/main">
   <p:cSld>
@@ -7600,41 +7712,48 @@
             </a:pPr>
             <a:r>
               <a:rPr/>
-              <a:t>7.2 均匀分布的概率密度函数</a:t>
-            </a:r>
-          </a:p>
-        </p:txBody>
-      </p:sp>
-      <p:pic>
-        <p:nvPicPr>
-          <p:cNvPr descr="img/eq7.8.png" id="0" name="Picture 1"/>
-          <p:cNvPicPr>
-            <a:picLocks noGrp="1" noChangeAspect="1"/>
-          </p:cNvPicPr>
-          <p:nvPr/>
-        </p:nvPicPr>
-        <p:blipFill>
-          <a:blip r:embed="rId2"/>
-          <a:stretch>
-            <a:fillRect/>
-          </a:stretch>
-        </p:blipFill>
-        <p:spPr bwMode="auto">
-          <a:xfrm>
-            <a:off x="457200" y="2057400"/>
-            <a:ext cx="8229600" cy="1651000"/>
-          </a:xfrm>
-          <a:prstGeom prst="rect">
-            <a:avLst/>
-          </a:prstGeom>
-          <a:noFill/>
-          <a:ln w="9525">
-            <a:noFill/>
-            <a:headEnd/>
-            <a:tailEnd/>
-          </a:ln>
-        </p:spPr>
-      </p:pic>
+              <a:t>7.2 均匀分布</a:t>
+            </a:r>
+          </a:p>
+        </p:txBody>
+      </p:sp>
+      <p:sp>
+        <p:nvSpPr>
+          <p:cNvPr id="3" name="Content Placeholder 2"/>
+          <p:cNvSpPr>
+            <a:spLocks noGrp="1"/>
+          </p:cNvSpPr>
+          <p:nvPr>
+            <p:ph idx="1"/>
+          </p:nvPr>
+        </p:nvSpPr>
+        <p:spPr/>
+        <p:txBody>
+          <a:bodyPr/>
+          <a:lstStyle/>
+          <a:p>
+            <a:pPr lvl="0"/>
+            <a:r>
+              <a:rPr/>
+              <a:t>均匀分布的概率密度函数</a:t>
+            </a:r>
+          </a:p>
+          <a:p>
+            <a:pPr lvl="0"/>
+            <a:r>
+              <a:rPr/>
+              <a:t>均匀分布的累积分布函数</a:t>
+            </a:r>
+          </a:p>
+          <a:p>
+            <a:pPr lvl="0"/>
+            <a:r>
+              <a:rPr/>
+              <a:t>均匀分布的期望和方差</a:t>
+            </a:r>
+          </a:p>
+        </p:txBody>
+      </p:sp>
     </p:spTree>
   </p:cSld>
 </p:sld>
